--- a/resourses/logo.pptx
+++ b/resourses/logo.pptx
@@ -6,6 +6,8 @@
   </p:sldMasterIdLst>
   <p:sldIdLst>
     <p:sldId id="256" r:id="rId2"/>
+    <p:sldId id="257" r:id="rId3"/>
+    <p:sldId id="258" r:id="rId4"/>
   </p:sldIdLst>
   <p:sldSz cx="12192000" cy="6858000"/>
   <p:notesSz cx="6858000" cy="9144000"/>
@@ -104,6 +106,11 @@
       </a:defRPr>
     </a:lvl9pPr>
   </p:defaultTextStyle>
+  <p:extLst>
+    <p:ext uri="{EFAFB233-063F-42B5-8137-9DF3F51BA10A}">
+      <p15:sldGuideLst xmlns:p15="http://schemas.microsoft.com/office/powerpoint/2012/main"/>
+    </p:ext>
+  </p:extLst>
 </p:presentation>
 </file>
 
@@ -254,7 +261,7 @@
           <a:p>
             <a:fld id="{9E2DC0DF-309E-4D40-8EF4-60ECBEC1C93E}" type="datetimeFigureOut">
               <a:rPr lang="zh-CN" altLang="en-US" smtClean="0"/>
-              <a:t>2023/5/4</a:t>
+              <a:t>2023/5/5</a:t>
             </a:fld>
             <a:endParaRPr lang="zh-CN" altLang="en-US"/>
           </a:p>
@@ -452,7 +459,7 @@
           <a:p>
             <a:fld id="{9E2DC0DF-309E-4D40-8EF4-60ECBEC1C93E}" type="datetimeFigureOut">
               <a:rPr lang="zh-CN" altLang="en-US" smtClean="0"/>
-              <a:t>2023/5/4</a:t>
+              <a:t>2023/5/5</a:t>
             </a:fld>
             <a:endParaRPr lang="zh-CN" altLang="en-US"/>
           </a:p>
@@ -660,7 +667,7 @@
           <a:p>
             <a:fld id="{9E2DC0DF-309E-4D40-8EF4-60ECBEC1C93E}" type="datetimeFigureOut">
               <a:rPr lang="zh-CN" altLang="en-US" smtClean="0"/>
-              <a:t>2023/5/4</a:t>
+              <a:t>2023/5/5</a:t>
             </a:fld>
             <a:endParaRPr lang="zh-CN" altLang="en-US"/>
           </a:p>
@@ -858,7 +865,7 @@
           <a:p>
             <a:fld id="{9E2DC0DF-309E-4D40-8EF4-60ECBEC1C93E}" type="datetimeFigureOut">
               <a:rPr lang="zh-CN" altLang="en-US" smtClean="0"/>
-              <a:t>2023/5/4</a:t>
+              <a:t>2023/5/5</a:t>
             </a:fld>
             <a:endParaRPr lang="zh-CN" altLang="en-US"/>
           </a:p>
@@ -1133,7 +1140,7 @@
           <a:p>
             <a:fld id="{9E2DC0DF-309E-4D40-8EF4-60ECBEC1C93E}" type="datetimeFigureOut">
               <a:rPr lang="zh-CN" altLang="en-US" smtClean="0"/>
-              <a:t>2023/5/4</a:t>
+              <a:t>2023/5/5</a:t>
             </a:fld>
             <a:endParaRPr lang="zh-CN" altLang="en-US"/>
           </a:p>
@@ -1398,7 +1405,7 @@
           <a:p>
             <a:fld id="{9E2DC0DF-309E-4D40-8EF4-60ECBEC1C93E}" type="datetimeFigureOut">
               <a:rPr lang="zh-CN" altLang="en-US" smtClean="0"/>
-              <a:t>2023/5/4</a:t>
+              <a:t>2023/5/5</a:t>
             </a:fld>
             <a:endParaRPr lang="zh-CN" altLang="en-US"/>
           </a:p>
@@ -1810,7 +1817,7 @@
           <a:p>
             <a:fld id="{9E2DC0DF-309E-4D40-8EF4-60ECBEC1C93E}" type="datetimeFigureOut">
               <a:rPr lang="zh-CN" altLang="en-US" smtClean="0"/>
-              <a:t>2023/5/4</a:t>
+              <a:t>2023/5/5</a:t>
             </a:fld>
             <a:endParaRPr lang="zh-CN" altLang="en-US"/>
           </a:p>
@@ -1951,7 +1958,7 @@
           <a:p>
             <a:fld id="{9E2DC0DF-309E-4D40-8EF4-60ECBEC1C93E}" type="datetimeFigureOut">
               <a:rPr lang="zh-CN" altLang="en-US" smtClean="0"/>
-              <a:t>2023/5/4</a:t>
+              <a:t>2023/5/5</a:t>
             </a:fld>
             <a:endParaRPr lang="zh-CN" altLang="en-US"/>
           </a:p>
@@ -2064,7 +2071,7 @@
           <a:p>
             <a:fld id="{9E2DC0DF-309E-4D40-8EF4-60ECBEC1C93E}" type="datetimeFigureOut">
               <a:rPr lang="zh-CN" altLang="en-US" smtClean="0"/>
-              <a:t>2023/5/4</a:t>
+              <a:t>2023/5/5</a:t>
             </a:fld>
             <a:endParaRPr lang="zh-CN" altLang="en-US"/>
           </a:p>
@@ -2375,7 +2382,7 @@
           <a:p>
             <a:fld id="{9E2DC0DF-309E-4D40-8EF4-60ECBEC1C93E}" type="datetimeFigureOut">
               <a:rPr lang="zh-CN" altLang="en-US" smtClean="0"/>
-              <a:t>2023/5/4</a:t>
+              <a:t>2023/5/5</a:t>
             </a:fld>
             <a:endParaRPr lang="zh-CN" altLang="en-US"/>
           </a:p>
@@ -2663,7 +2670,7 @@
           <a:p>
             <a:fld id="{9E2DC0DF-309E-4D40-8EF4-60ECBEC1C93E}" type="datetimeFigureOut">
               <a:rPr lang="zh-CN" altLang="en-US" smtClean="0"/>
-              <a:t>2023/5/4</a:t>
+              <a:t>2023/5/5</a:t>
             </a:fld>
             <a:endParaRPr lang="zh-CN" altLang="en-US"/>
           </a:p>
@@ -2904,7 +2911,7 @@
           <a:p>
             <a:fld id="{9E2DC0DF-309E-4D40-8EF4-60ECBEC1C93E}" type="datetimeFigureOut">
               <a:rPr lang="zh-CN" altLang="en-US" smtClean="0"/>
-              <a:t>2023/5/4</a:t>
+              <a:t>2023/5/5</a:t>
             </a:fld>
             <a:endParaRPr lang="zh-CN" altLang="en-US"/>
           </a:p>
@@ -3425,6 +3432,361 @@
 </p:sld>
 </file>
 
+<file path=ppt/slides/slide2.xml><?xml version="1.0" encoding="utf-8"?>
+<p:sld xmlns:a="http://schemas.openxmlformats.org/drawingml/2006/main" xmlns:r="http://schemas.openxmlformats.org/officeDocument/2006/relationships" xmlns:p="http://schemas.openxmlformats.org/presentationml/2006/main">
+  <p:cSld>
+    <p:spTree>
+      <p:nvGrpSpPr>
+        <p:cNvPr id="1" name=""/>
+        <p:cNvGrpSpPr/>
+        <p:nvPr/>
+      </p:nvGrpSpPr>
+      <p:grpSpPr>
+        <a:xfrm>
+          <a:off x="0" y="0"/>
+          <a:ext cx="0" cy="0"/>
+          <a:chOff x="0" y="0"/>
+          <a:chExt cx="0" cy="0"/>
+        </a:xfrm>
+      </p:grpSpPr>
+      <p:grpSp>
+        <p:nvGrpSpPr>
+          <p:cNvPr id="6" name="组合 5">
+            <a:extLst>
+              <a:ext uri="{FF2B5EF4-FFF2-40B4-BE49-F238E27FC236}">
+                <a16:creationId xmlns:a16="http://schemas.microsoft.com/office/drawing/2014/main" id="{6A38A812-9D87-48ED-AA78-28459E16EE71}"/>
+              </a:ext>
+            </a:extLst>
+          </p:cNvPr>
+          <p:cNvGrpSpPr/>
+          <p:nvPr/>
+        </p:nvGrpSpPr>
+        <p:grpSpPr>
+          <a:xfrm>
+            <a:off x="2057402" y="2203980"/>
+            <a:ext cx="7337610" cy="2247900"/>
+            <a:chOff x="2057402" y="2203980"/>
+            <a:chExt cx="6907304" cy="2247900"/>
+          </a:xfrm>
+          <a:solidFill>
+            <a:schemeClr val="tx1"/>
+          </a:solidFill>
+        </p:grpSpPr>
+        <p:pic>
+          <p:nvPicPr>
+            <p:cNvPr id="4" name="图片 3">
+              <a:extLst>
+                <a:ext uri="{FF2B5EF4-FFF2-40B4-BE49-F238E27FC236}">
+                  <a16:creationId xmlns:a16="http://schemas.microsoft.com/office/drawing/2014/main" id="{8B904735-1B72-478D-8728-D94568D0B982}"/>
+                </a:ext>
+              </a:extLst>
+            </p:cNvPr>
+            <p:cNvPicPr>
+              <a:picLocks noChangeAspect="1"/>
+            </p:cNvPicPr>
+            <p:nvPr/>
+          </p:nvPicPr>
+          <p:blipFill>
+            <a:blip r:embed="rId2"/>
+            <a:stretch>
+              <a:fillRect/>
+            </a:stretch>
+          </p:blipFill>
+          <p:spPr>
+            <a:xfrm>
+              <a:off x="2057402" y="2203980"/>
+              <a:ext cx="2133600" cy="2247900"/>
+            </a:xfrm>
+            <a:prstGeom prst="rect">
+              <a:avLst/>
+            </a:prstGeom>
+            <a:grpFill/>
+          </p:spPr>
+        </p:pic>
+        <p:sp>
+          <p:nvSpPr>
+            <p:cNvPr id="5" name="文本框 4">
+              <a:extLst>
+                <a:ext uri="{FF2B5EF4-FFF2-40B4-BE49-F238E27FC236}">
+                  <a16:creationId xmlns:a16="http://schemas.microsoft.com/office/drawing/2014/main" id="{82FA4769-6DE0-4AF4-8E96-4E6B1E21AA75}"/>
+                </a:ext>
+              </a:extLst>
+            </p:cNvPr>
+            <p:cNvSpPr txBox="1"/>
+            <p:nvPr/>
+          </p:nvSpPr>
+          <p:spPr>
+            <a:xfrm>
+              <a:off x="3908612" y="2507673"/>
+              <a:ext cx="5056094" cy="1446550"/>
+            </a:xfrm>
+            <a:prstGeom prst="rect">
+              <a:avLst/>
+            </a:prstGeom>
+            <a:solidFill>
+              <a:schemeClr val="bg1"/>
+            </a:solidFill>
+          </p:spPr>
+          <p:txBody>
+            <a:bodyPr wrap="square" rtlCol="0">
+              <a:spAutoFit/>
+            </a:bodyPr>
+            <a:lstStyle/>
+            <a:p>
+              <a:r>
+                <a:rPr lang="en-US" altLang="zh-CN" sz="8800" dirty="0">
+                  <a:solidFill>
+                    <a:schemeClr val="bg1"/>
+                  </a:solidFill>
+                  <a:latin typeface="Harlow Solid Italic" panose="04030604020F02020D02" pitchFamily="82" charset="0"/>
+                </a:rPr>
+                <a:t> </a:t>
+              </a:r>
+              <a:r>
+                <a:rPr lang="en-US" altLang="zh-CN" sz="8800" dirty="0" err="1">
+                  <a:solidFill>
+                    <a:schemeClr val="bg1"/>
+                  </a:solidFill>
+                  <a:latin typeface="Harlow Solid Italic" panose="04030604020F02020D02" pitchFamily="82" charset="0"/>
+                </a:rPr>
+                <a:t>guguooking</a:t>
+              </a:r>
+              <a:endParaRPr lang="zh-CN" altLang="en-US" sz="8800" dirty="0">
+                <a:solidFill>
+                  <a:schemeClr val="bg1"/>
+                </a:solidFill>
+                <a:latin typeface="Harlow Solid Italic" panose="04030604020F02020D02" pitchFamily="82" charset="0"/>
+              </a:endParaRPr>
+            </a:p>
+          </p:txBody>
+        </p:sp>
+      </p:grpSp>
+    </p:spTree>
+    <p:extLst>
+      <p:ext uri="{BB962C8B-B14F-4D97-AF65-F5344CB8AC3E}">
+        <p14:creationId xmlns:p14="http://schemas.microsoft.com/office/powerpoint/2010/main" val="3577445506"/>
+      </p:ext>
+    </p:extLst>
+  </p:cSld>
+  <p:clrMapOvr>
+    <a:masterClrMapping/>
+  </p:clrMapOvr>
+</p:sld>
+</file>
+
+<file path=ppt/slides/slide3.xml><?xml version="1.0" encoding="utf-8"?>
+<p:sld xmlns:a="http://schemas.openxmlformats.org/drawingml/2006/main" xmlns:r="http://schemas.openxmlformats.org/officeDocument/2006/relationships" xmlns:p="http://schemas.openxmlformats.org/presentationml/2006/main">
+  <p:cSld>
+    <p:spTree>
+      <p:nvGrpSpPr>
+        <p:cNvPr id="1" name=""/>
+        <p:cNvGrpSpPr/>
+        <p:nvPr/>
+      </p:nvGrpSpPr>
+      <p:grpSpPr>
+        <a:xfrm>
+          <a:off x="0" y="0"/>
+          <a:ext cx="0" cy="0"/>
+          <a:chOff x="0" y="0"/>
+          <a:chExt cx="0" cy="0"/>
+        </a:xfrm>
+      </p:grpSpPr>
+      <p:grpSp>
+        <p:nvGrpSpPr>
+          <p:cNvPr id="6" name="组合 5">
+            <a:extLst>
+              <a:ext uri="{FF2B5EF4-FFF2-40B4-BE49-F238E27FC236}">
+                <a16:creationId xmlns:a16="http://schemas.microsoft.com/office/drawing/2014/main" id="{C6549D7F-5925-49D8-8B71-E561B40DC5B9}"/>
+              </a:ext>
+            </a:extLst>
+          </p:cNvPr>
+          <p:cNvGrpSpPr/>
+          <p:nvPr/>
+        </p:nvGrpSpPr>
+        <p:grpSpPr>
+          <a:xfrm>
+            <a:off x="2147512" y="2259106"/>
+            <a:ext cx="7202676" cy="2268070"/>
+            <a:chOff x="2147512" y="2259106"/>
+            <a:chExt cx="7202676" cy="2268070"/>
+          </a:xfrm>
+          <a:solidFill>
+            <a:schemeClr val="bg2">
+              <a:lumMod val="25000"/>
+            </a:schemeClr>
+          </a:solidFill>
+        </p:grpSpPr>
+        <p:sp>
+          <p:nvSpPr>
+            <p:cNvPr id="4" name="矩形 3">
+              <a:extLst>
+                <a:ext uri="{FF2B5EF4-FFF2-40B4-BE49-F238E27FC236}">
+                  <a16:creationId xmlns:a16="http://schemas.microsoft.com/office/drawing/2014/main" id="{72C55865-BEA4-489A-AA03-C878C9A99B9B}"/>
+                </a:ext>
+              </a:extLst>
+            </p:cNvPr>
+            <p:cNvSpPr/>
+            <p:nvPr/>
+          </p:nvSpPr>
+          <p:spPr>
+            <a:xfrm>
+              <a:off x="2147512" y="2259106"/>
+              <a:ext cx="7202676" cy="2268070"/>
+            </a:xfrm>
+            <a:prstGeom prst="rect">
+              <a:avLst/>
+            </a:prstGeom>
+            <a:grpFill/>
+            <a:ln>
+              <a:noFill/>
+            </a:ln>
+          </p:spPr>
+          <p:style>
+            <a:lnRef idx="2">
+              <a:schemeClr val="accent1">
+                <a:shade val="50000"/>
+              </a:schemeClr>
+            </a:lnRef>
+            <a:fillRef idx="1">
+              <a:schemeClr val="accent1"/>
+            </a:fillRef>
+            <a:effectRef idx="0">
+              <a:schemeClr val="accent1"/>
+            </a:effectRef>
+            <a:fontRef idx="minor">
+              <a:schemeClr val="lt1"/>
+            </a:fontRef>
+          </p:style>
+          <p:txBody>
+            <a:bodyPr rtlCol="0" anchor="ctr"/>
+            <a:lstStyle/>
+            <a:p>
+              <a:pPr algn="ctr"/>
+              <a:endParaRPr lang="zh-CN" altLang="en-US"/>
+            </a:p>
+          </p:txBody>
+        </p:sp>
+        <p:pic>
+          <p:nvPicPr>
+            <p:cNvPr id="1026" name="Picture 2">
+              <a:extLst>
+                <a:ext uri="{FF2B5EF4-FFF2-40B4-BE49-F238E27FC236}">
+                  <a16:creationId xmlns:a16="http://schemas.microsoft.com/office/drawing/2014/main" id="{1187CF9A-1A48-466D-986D-E157916154A8}"/>
+                </a:ext>
+              </a:extLst>
+            </p:cNvPr>
+            <p:cNvPicPr>
+              <a:picLocks noChangeAspect="1" noChangeArrowheads="1"/>
+            </p:cNvPicPr>
+            <p:nvPr/>
+          </p:nvPicPr>
+          <p:blipFill>
+            <a:blip r:embed="rId2">
+              <a:extLst>
+                <a:ext uri="{28A0092B-C50C-407E-A947-70E740481C1C}">
+                  <a14:useLocalDpi xmlns:a14="http://schemas.microsoft.com/office/drawing/2010/main" val="0"/>
+                </a:ext>
+              </a:extLst>
+            </a:blip>
+            <a:stretch>
+              <a:fillRect/>
+            </a:stretch>
+          </p:blipFill>
+          <p:spPr bwMode="auto">
+            <a:xfrm>
+              <a:off x="2147512" y="2419070"/>
+              <a:ext cx="1724025" cy="1876424"/>
+            </a:xfrm>
+            <a:prstGeom prst="rect">
+              <a:avLst/>
+            </a:prstGeom>
+            <a:grpFill/>
+            <a:ln>
+              <a:noFill/>
+            </a:ln>
+            <a:extLst>
+              <a:ext uri="{909E8E84-426E-40DD-AFC4-6F175D3DCCD1}">
+                <a14:hiddenFill xmlns:a14="http://schemas.microsoft.com/office/drawing/2010/main">
+                  <a:solidFill>
+                    <a:srgbClr val="FFFFFF"/>
+                  </a:solidFill>
+                </a14:hiddenFill>
+              </a:ext>
+            </a:extLst>
+          </p:spPr>
+        </p:pic>
+        <p:sp>
+          <p:nvSpPr>
+            <p:cNvPr id="5" name="文本框 4">
+              <a:extLst>
+                <a:ext uri="{FF2B5EF4-FFF2-40B4-BE49-F238E27FC236}">
+                  <a16:creationId xmlns:a16="http://schemas.microsoft.com/office/drawing/2014/main" id="{984CF564-C6EA-4E7F-A5BD-FE56B1ACBC5B}"/>
+                </a:ext>
+              </a:extLst>
+            </p:cNvPr>
+            <p:cNvSpPr txBox="1"/>
+            <p:nvPr/>
+          </p:nvSpPr>
+          <p:spPr>
+            <a:xfrm>
+              <a:off x="3683278" y="2553325"/>
+              <a:ext cx="5371075" cy="1446550"/>
+            </a:xfrm>
+            <a:prstGeom prst="rect">
+              <a:avLst/>
+            </a:prstGeom>
+            <a:grpFill/>
+            <a:ln>
+              <a:noFill/>
+            </a:ln>
+          </p:spPr>
+          <p:txBody>
+            <a:bodyPr wrap="square" rtlCol="0">
+              <a:spAutoFit/>
+            </a:bodyPr>
+            <a:lstStyle/>
+            <a:p>
+              <a:r>
+                <a:rPr lang="en-US" altLang="zh-CN" sz="8800" dirty="0">
+                  <a:solidFill>
+                    <a:schemeClr val="bg1"/>
+                  </a:solidFill>
+                  <a:latin typeface="Harlow Solid Italic" panose="04030604020F02020D02" pitchFamily="82" charset="0"/>
+                </a:rPr>
+                <a:t> </a:t>
+              </a:r>
+              <a:r>
+                <a:rPr lang="en-US" altLang="zh-CN" sz="8800" dirty="0" err="1">
+                  <a:solidFill>
+                    <a:schemeClr val="bg1"/>
+                  </a:solidFill>
+                  <a:latin typeface="Harlow Solid Italic" panose="04030604020F02020D02" pitchFamily="82" charset="0"/>
+                </a:rPr>
+                <a:t>guguooking</a:t>
+              </a:r>
+              <a:endParaRPr lang="zh-CN" altLang="en-US" sz="8800" dirty="0">
+                <a:solidFill>
+                  <a:schemeClr val="bg1"/>
+                </a:solidFill>
+                <a:latin typeface="Harlow Solid Italic" panose="04030604020F02020D02" pitchFamily="82" charset="0"/>
+              </a:endParaRPr>
+            </a:p>
+          </p:txBody>
+        </p:sp>
+      </p:grpSp>
+    </p:spTree>
+    <p:extLst>
+      <p:ext uri="{BB962C8B-B14F-4D97-AF65-F5344CB8AC3E}">
+        <p14:creationId xmlns:p14="http://schemas.microsoft.com/office/powerpoint/2010/main" val="2688161948"/>
+      </p:ext>
+    </p:extLst>
+  </p:cSld>
+  <p:clrMapOvr>
+    <a:masterClrMapping/>
+  </p:clrMapOvr>
+</p:sld>
+</file>
+
 <file path=ppt/theme/theme1.xml><?xml version="1.0" encoding="utf-8"?>
 <a:theme xmlns:a="http://schemas.openxmlformats.org/drawingml/2006/main" name="Office 主题​​">
   <a:themeElements>
